--- a/15_Ch05_Encapsulation.pptx
+++ b/15_Ch05_Encapsulation.pptx
@@ -3457,15 +3457,7 @@
                   <a:srgbClr val="FFFF00"/>
                 </a:solidFill>
               </a:rPr>
-              <a:t>5 </a:t>
-            </a:r>
-            <a:r>
-              <a:rPr lang="en-US" altLang="zh-TW" sz="4800" b="1" dirty="0" err="1">
-                <a:solidFill>
-                  <a:srgbClr val="FFFF00"/>
-                </a:solidFill>
-              </a:rPr>
-              <a:t>Encapulation</a:t>
+              <a:t>5 Encapsulation</a:t>
             </a:r>
             <a:endParaRPr lang="zh-TW" altLang="en-US" sz="4800" b="1" dirty="0">
               <a:solidFill>
